--- a/Presentations/1-Project_proposal.pptx
+++ b/Presentations/1-Project_proposal.pptx
@@ -11707,8 +11707,8 @@
         </p:blipFill>
         <p:spPr>
           <a:xfrm>
-            <a:off x="0" y="-76200"/>
-            <a:ext cx="12192000" cy="6858000"/>
+            <a:off x="0" y="0"/>
+            <a:ext cx="12192000" cy="6904026"/>
           </a:xfrm>
           <a:prstGeom prst="rect">
             <a:avLst/>
@@ -12104,8 +12104,8 @@
         </p:blipFill>
         <p:spPr>
           <a:xfrm>
-            <a:off x="6096000" y="-17208"/>
-            <a:ext cx="6096000" cy="6858000"/>
+            <a:off x="6096000" y="59504"/>
+            <a:ext cx="6096000" cy="6904026"/>
           </a:xfrm>
           <a:prstGeom prst="rect">
             <a:avLst/>
